--- a/documents/diapo 30-03.pptx
+++ b/documents/diapo 30-03.pptx
@@ -6427,8 +6427,8 @@
   <dgm:cxnLst>
     <dgm:cxn modelId="{199DC88E-6AE7-49CD-A6C6-4B5D62EAAD19}" srcId="{BF09B148-C0DD-4AFC-B4CC-843E561564E2}" destId="{747DFC8F-9D7F-4BC7-9BBB-09BE35F175E5}" srcOrd="1" destOrd="0" parTransId="{1B500D91-22D3-4065-A8B3-DD9D689FB21A}" sibTransId="{D48D2D33-C541-4075-BE8F-BF291A7A4BC7}"/>
     <dgm:cxn modelId="{F875FE47-B96E-4466-A881-1F094D5839D4}" srcId="{BF09B148-C0DD-4AFC-B4CC-843E561564E2}" destId="{9F16C795-E285-4FC2-B296-E28ED6156608}" srcOrd="2" destOrd="0" parTransId="{9ECC7953-8880-4B02-8980-5D0CD5CF276A}" sibTransId="{31FE319C-6AA6-4146-885C-139E15360B7E}"/>
+    <dgm:cxn modelId="{936FD28F-D6BD-464C-865F-CBB9CE3C7C7F}" type="presOf" srcId="{9F16C795-E285-4FC2-B296-E28ED6156608}" destId="{02E25B46-9D16-490D-8442-2CB9F46B7693}" srcOrd="0" destOrd="0" presId="urn:microsoft.com/office/officeart/2005/8/layout/chevron1"/>
     <dgm:cxn modelId="{9AB2E88A-99A5-4F37-91C9-8F6F5CD5D788}" srcId="{BF09B148-C0DD-4AFC-B4CC-843E561564E2}" destId="{939DC333-85A3-4AEF-8CC8-582604EBA647}" srcOrd="0" destOrd="0" parTransId="{25DC1194-F99D-4476-BC6B-95CD78F6C400}" sibTransId="{9252C17D-735C-4928-B0C5-E532E35D2850}"/>
-    <dgm:cxn modelId="{936FD28F-D6BD-464C-865F-CBB9CE3C7C7F}" type="presOf" srcId="{9F16C795-E285-4FC2-B296-E28ED6156608}" destId="{02E25B46-9D16-490D-8442-2CB9F46B7693}" srcOrd="0" destOrd="0" presId="urn:microsoft.com/office/officeart/2005/8/layout/chevron1"/>
     <dgm:cxn modelId="{16D5C35B-6B02-4604-ADE8-0E9C4994CD32}" type="presOf" srcId="{747DFC8F-9D7F-4BC7-9BBB-09BE35F175E5}" destId="{BDF2A55D-938D-4342-B14A-75C6D1F699D7}" srcOrd="0" destOrd="0" presId="urn:microsoft.com/office/officeart/2005/8/layout/chevron1"/>
     <dgm:cxn modelId="{365DF7FD-82E6-44B5-851C-36FDA80C8617}" type="presOf" srcId="{BF09B148-C0DD-4AFC-B4CC-843E561564E2}" destId="{A3344252-8F40-465E-9ECD-9784B102754C}" srcOrd="0" destOrd="0" presId="urn:microsoft.com/office/officeart/2005/8/layout/chevron1"/>
     <dgm:cxn modelId="{88BAFC47-6198-406B-9DDF-13142C8E783F}" type="presOf" srcId="{939DC333-85A3-4AEF-8CC8-582604EBA647}" destId="{77986956-9C9B-4D32-8B5B-816929D88B45}" srcOrd="0" destOrd="0" presId="urn:microsoft.com/office/officeart/2005/8/layout/chevron1"/>
@@ -21089,7 +21089,7 @@
             <a:fld id="{48A38605-3704-42FD-8A77-D50FA3F2E68A}" type="datetimeFigureOut">
               <a:rPr lang="fr-FR" smtClean="0"/>
               <a:pPr/>
-              <a:t>30/03/2015</a:t>
+              <a:t>31/03/2015</a:t>
             </a:fld>
             <a:endParaRPr lang="fr-FR"/>
           </a:p>
@@ -22330,7 +22330,7 @@
             <a:fld id="{C3E5ED7E-40EA-43F0-8C97-AF9673590088}" type="datetime1">
               <a:rPr lang="fr-FR" smtClean="0"/>
               <a:pPr/>
-              <a:t>30/03/2015</a:t>
+              <a:t>31/03/2015</a:t>
             </a:fld>
             <a:endParaRPr lang="fr-FR"/>
           </a:p>
@@ -22569,7 +22569,7 @@
             <a:fld id="{63542190-6A95-492E-99B3-87D38136E612}" type="datetime1">
               <a:rPr lang="fr-FR" smtClean="0"/>
               <a:pPr/>
-              <a:t>30/03/2015</a:t>
+              <a:t>31/03/2015</a:t>
             </a:fld>
             <a:endParaRPr lang="fr-FR"/>
           </a:p>
@@ -22757,7 +22757,7 @@
             <a:fld id="{703CA322-6B47-4D38-86A0-7D36B081F458}" type="datetime1">
               <a:rPr lang="fr-FR" smtClean="0"/>
               <a:pPr/>
-              <a:t>30/03/2015</a:t>
+              <a:t>31/03/2015</a:t>
             </a:fld>
             <a:endParaRPr lang="fr-FR"/>
           </a:p>
@@ -22972,7 +22972,7 @@
             <a:fld id="{7630DF03-65AF-4ECA-9D21-FFC619D6369C}" type="datetime1">
               <a:rPr lang="fr-FR" smtClean="0"/>
               <a:pPr/>
-              <a:t>30/03/2015</a:t>
+              <a:t>31/03/2015</a:t>
             </a:fld>
             <a:endParaRPr lang="fr-FR" dirty="0"/>
           </a:p>
@@ -23140,7 +23140,7 @@
             <a:fld id="{688489DE-DC01-4F6E-9559-3CB0F0280979}" type="datetime1">
               <a:rPr lang="fr-FR" smtClean="0"/>
               <a:pPr/>
-              <a:t>30/03/2015</a:t>
+              <a:t>31/03/2015</a:t>
             </a:fld>
             <a:endParaRPr lang="fr-FR" dirty="0"/>
           </a:p>
@@ -23537,7 +23537,7 @@
             <a:fld id="{688489DE-DC01-4F6E-9559-3CB0F0280979}" type="datetime1">
               <a:rPr lang="fr-FR" smtClean="0"/>
               <a:pPr/>
-              <a:t>30/03/2015</a:t>
+              <a:t>31/03/2015</a:t>
             </a:fld>
             <a:endParaRPr lang="fr-FR" dirty="0"/>
           </a:p>
@@ -23810,7 +23810,7 @@
             <a:fld id="{688489DE-DC01-4F6E-9559-3CB0F0280979}" type="datetime1">
               <a:rPr lang="fr-FR" smtClean="0"/>
               <a:pPr/>
-              <a:t>30/03/2015</a:t>
+              <a:t>31/03/2015</a:t>
             </a:fld>
             <a:endParaRPr lang="fr-FR" dirty="0"/>
           </a:p>
@@ -24259,7 +24259,7 @@
             <a:fld id="{688489DE-DC01-4F6E-9559-3CB0F0280979}" type="datetime1">
               <a:rPr lang="fr-FR" smtClean="0"/>
               <a:pPr/>
-              <a:t>30/03/2015</a:t>
+              <a:t>31/03/2015</a:t>
             </a:fld>
             <a:endParaRPr lang="fr-FR" dirty="0"/>
           </a:p>
@@ -24615,7 +24615,7 @@
             <a:fld id="{688489DE-DC01-4F6E-9559-3CB0F0280979}" type="datetime1">
               <a:rPr lang="fr-FR" smtClean="0"/>
               <a:pPr/>
-              <a:t>30/03/2015</a:t>
+              <a:t>31/03/2015</a:t>
             </a:fld>
             <a:endParaRPr lang="fr-FR" dirty="0"/>
           </a:p>
@@ -25064,7 +25064,7 @@
             <a:fld id="{688489DE-DC01-4F6E-9559-3CB0F0280979}" type="datetime1">
               <a:rPr lang="fr-FR" smtClean="0"/>
               <a:pPr/>
-              <a:t>30/03/2015</a:t>
+              <a:t>31/03/2015</a:t>
             </a:fld>
             <a:endParaRPr lang="fr-FR" dirty="0"/>
           </a:p>
@@ -25472,7 +25472,7 @@
             <a:fld id="{A69F0891-F8BD-48AD-9821-23A1C5F598B6}" type="datetime1">
               <a:rPr lang="fr-FR" smtClean="0"/>
               <a:pPr/>
-              <a:t>30/03/2015</a:t>
+              <a:t>31/03/2015</a:t>
             </a:fld>
             <a:endParaRPr lang="fr-FR" dirty="0"/>
           </a:p>
@@ -25828,7 +25828,7 @@
             <a:fld id="{F43C7FC8-C452-4699-BDF3-57C21E3BED8B}" type="datetime1">
               <a:rPr lang="fr-FR" smtClean="0"/>
               <a:pPr/>
-              <a:t>30/03/2015</a:t>
+              <a:t>31/03/2015</a:t>
             </a:fld>
             <a:endParaRPr lang="fr-FR"/>
           </a:p>
@@ -26030,7 +26030,7 @@
             <a:fld id="{688489DE-DC01-4F6E-9559-3CB0F0280979}" type="datetime1">
               <a:rPr lang="fr-FR" smtClean="0"/>
               <a:pPr/>
-              <a:t>30/03/2015</a:t>
+              <a:t>31/03/2015</a:t>
             </a:fld>
             <a:endParaRPr lang="fr-FR" dirty="0"/>
           </a:p>
@@ -26303,7 +26303,7 @@
             <a:fld id="{688489DE-DC01-4F6E-9559-3CB0F0280979}" type="datetime1">
               <a:rPr lang="fr-FR" smtClean="0"/>
               <a:pPr/>
-              <a:t>30/03/2015</a:t>
+              <a:t>31/03/2015</a:t>
             </a:fld>
             <a:endParaRPr lang="fr-FR" dirty="0"/>
           </a:p>
@@ -26626,7 +26626,7 @@
             <a:fld id="{DCB4961F-C0EF-4A36-92B3-E242E326739A}" type="datetime1">
               <a:rPr lang="fr-FR" smtClean="0"/>
               <a:pPr/>
-              <a:t>30/03/2015</a:t>
+              <a:t>31/03/2015</a:t>
             </a:fld>
             <a:endParaRPr lang="fr-FR"/>
           </a:p>
@@ -26903,7 +26903,7 @@
             <a:fld id="{73B474CE-096C-4778-A38A-0196F28EBA54}" type="datetime1">
               <a:rPr lang="fr-FR" smtClean="0"/>
               <a:pPr/>
-              <a:t>30/03/2015</a:t>
+              <a:t>31/03/2015</a:t>
             </a:fld>
             <a:endParaRPr lang="fr-FR"/>
           </a:p>
@@ -27290,7 +27290,7 @@
             <a:fld id="{5DC4EB38-1413-4938-9145-D23C85AF0DD2}" type="datetime1">
               <a:rPr lang="fr-FR" smtClean="0"/>
               <a:pPr/>
-              <a:t>30/03/2015</a:t>
+              <a:t>31/03/2015</a:t>
             </a:fld>
             <a:endParaRPr lang="fr-FR"/>
           </a:p>
@@ -27416,7 +27416,7 @@
             <a:fld id="{296F3F95-594A-44CC-BF57-6920A88AE66C}" type="datetime1">
               <a:rPr lang="fr-FR" smtClean="0"/>
               <a:pPr/>
-              <a:t>30/03/2015</a:t>
+              <a:t>31/03/2015</a:t>
             </a:fld>
             <a:endParaRPr lang="fr-FR"/>
           </a:p>
@@ -27519,7 +27519,7 @@
             <a:fld id="{E5A6521C-AC08-4F20-A6F4-46899F5B1F22}" type="datetime1">
               <a:rPr lang="fr-FR" smtClean="0"/>
               <a:pPr/>
-              <a:t>30/03/2015</a:t>
+              <a:t>31/03/2015</a:t>
             </a:fld>
             <a:endParaRPr lang="fr-FR"/>
           </a:p>
@@ -27790,7 +27790,7 @@
             <a:fld id="{E27F3B02-C2E5-4FBA-AE18-429F46CEC6B5}" type="datetime1">
               <a:rPr lang="fr-FR" smtClean="0"/>
               <a:pPr/>
-              <a:t>30/03/2015</a:t>
+              <a:t>31/03/2015</a:t>
             </a:fld>
             <a:endParaRPr lang="fr-FR"/>
           </a:p>
@@ -28067,7 +28067,7 @@
             <a:fld id="{0F9CF09B-EB02-4A88-90D1-33448506FEB9}" type="datetime1">
               <a:rPr lang="fr-FR" smtClean="0"/>
               <a:pPr/>
-              <a:t>30/03/2015</a:t>
+              <a:t>31/03/2015</a:t>
             </a:fld>
             <a:endParaRPr lang="fr-FR"/>
           </a:p>
@@ -28302,7 +28302,7 @@
             <a:fld id="{B43A461F-C2C0-4949-8B45-BA4AB2C7ECA1}" type="datetime1">
               <a:rPr lang="fr-FR" smtClean="0"/>
               <a:pPr/>
-              <a:t>30/03/2015</a:t>
+              <a:t>31/03/2015</a:t>
             </a:fld>
             <a:endParaRPr lang="fr-FR"/>
           </a:p>
@@ -28849,7 +28849,7 @@
         </p:nvSpPr>
         <p:spPr>
           <a:xfrm>
-            <a:off x="467544" y="692696"/>
+            <a:off x="457200" y="2857500"/>
             <a:ext cx="8229600" cy="1143000"/>
           </a:xfrm>
         </p:spPr>
@@ -28947,7 +28947,7 @@
             <a:fld id="{5B20C9E3-D599-4B24-81FF-1FE94C133512}" type="datetime1">
               <a:rPr lang="fr-FR" smtClean="0"/>
               <a:pPr/>
-              <a:t>30/03/2015</a:t>
+              <a:t>31/03/2015</a:t>
             </a:fld>
             <a:endParaRPr lang="fr-FR" dirty="0"/>
           </a:p>
@@ -29171,9 +29171,103 @@
   <p:timing>
     <p:tnLst>
       <p:par>
-        <p:cTn id="1" dur="indefinite" restart="never" nodeType="tmRoot"/>
+        <p:cTn id="1" dur="indefinite" restart="never" nodeType="tmRoot">
+          <p:childTnLst>
+            <p:seq concurrent="1" nextAc="seek">
+              <p:cTn id="2" dur="indefinite" nodeType="mainSeq">
+                <p:childTnLst>
+                  <p:par>
+                    <p:cTn id="3" fill="hold">
+                      <p:stCondLst>
+                        <p:cond delay="indefinite"/>
+                      </p:stCondLst>
+                      <p:childTnLst>
+                        <p:par>
+                          <p:cTn id="4" fill="hold">
+                            <p:stCondLst>
+                              <p:cond delay="0"/>
+                            </p:stCondLst>
+                            <p:childTnLst>
+                              <p:par>
+                                <p:cTn id="5" presetID="42" presetClass="path" presetSubtype="0" accel="50000" decel="50000" fill="hold" grpId="0" nodeType="clickEffect">
+                                  <p:stCondLst>
+                                    <p:cond delay="0"/>
+                                  </p:stCondLst>
+                                  <p:childTnLst>
+                                    <p:animMotion origin="layout" path="M 0 0 L 0 -0.32546 " pathEditMode="relative" rAng="0" ptsTypes="AA">
+                                      <p:cBhvr>
+                                        <p:cTn id="6" dur="1000" fill="hold"/>
+                                        <p:tgtEl>
+                                          <p:spTgt spid="4"/>
+                                        </p:tgtEl>
+                                        <p:attrNameLst>
+                                          <p:attrName>ppt_x</p:attrName>
+                                          <p:attrName>ppt_y</p:attrName>
+                                        </p:attrNameLst>
+                                      </p:cBhvr>
+                                      <p:rCtr x="0" y="-16273"/>
+                                    </p:animMotion>
+                                  </p:childTnLst>
+                                </p:cTn>
+                              </p:par>
+                              <p:par>
+                                <p:cTn id="7" presetID="1" presetClass="entr" presetSubtype="0" fill="hold" grpId="0" nodeType="withEffect">
+                                  <p:stCondLst>
+                                    <p:cond delay="750"/>
+                                  </p:stCondLst>
+                                  <p:childTnLst>
+                                    <p:set>
+                                      <p:cBhvr>
+                                        <p:cTn id="8" dur="1" fill="hold">
+                                          <p:stCondLst>
+                                            <p:cond delay="0"/>
+                                          </p:stCondLst>
+                                        </p:cTn>
+                                        <p:tgtEl>
+                                          <p:spTgt spid="7"/>
+                                        </p:tgtEl>
+                                        <p:attrNameLst>
+                                          <p:attrName>style.visibility</p:attrName>
+                                        </p:attrNameLst>
+                                      </p:cBhvr>
+                                      <p:to>
+                                        <p:strVal val="visible"/>
+                                      </p:to>
+                                    </p:set>
+                                  </p:childTnLst>
+                                </p:cTn>
+                              </p:par>
+                            </p:childTnLst>
+                          </p:cTn>
+                        </p:par>
+                      </p:childTnLst>
+                    </p:cTn>
+                  </p:par>
+                </p:childTnLst>
+              </p:cTn>
+              <p:prevCondLst>
+                <p:cond evt="onPrev" delay="0">
+                  <p:tgtEl>
+                    <p:sldTgt/>
+                  </p:tgtEl>
+                </p:cond>
+              </p:prevCondLst>
+              <p:nextCondLst>
+                <p:cond evt="onNext" delay="0">
+                  <p:tgtEl>
+                    <p:sldTgt/>
+                  </p:tgtEl>
+                </p:cond>
+              </p:nextCondLst>
+            </p:seq>
+          </p:childTnLst>
+        </p:cTn>
       </p:par>
     </p:tnLst>
+    <p:bldLst>
+      <p:bldP spid="4" grpId="0"/>
+      <p:bldP spid="7" grpId="0"/>
+    </p:bldLst>
   </p:timing>
 </p:sld>
 </file>
@@ -29238,7 +29332,7 @@
             <a:fld id="{2930045B-F838-499A-A866-54B50D6976AC}" type="datetime1">
               <a:rPr lang="fr-FR" smtClean="0"/>
               <a:pPr/>
-              <a:t>30/03/2015</a:t>
+              <a:t>31/03/2015</a:t>
             </a:fld>
             <a:endParaRPr lang="fr-FR"/>
           </a:p>
@@ -29999,7 +30093,7 @@
             <a:fld id="{DA8C846E-2DF1-4F81-8E58-555B82CD55E4}" type="datetime1">
               <a:rPr lang="fr-FR" smtClean="0"/>
               <a:pPr/>
-              <a:t>30/03/2015</a:t>
+              <a:t>31/03/2015</a:t>
             </a:fld>
             <a:endParaRPr lang="fr-FR" dirty="0"/>
           </a:p>
@@ -30145,7 +30239,7 @@
             <a:fld id="{688489DE-DC01-4F6E-9559-3CB0F0280979}" type="datetime1">
               <a:rPr lang="fr-FR" smtClean="0"/>
               <a:pPr/>
-              <a:t>30/03/2015</a:t>
+              <a:t>31/03/2015</a:t>
             </a:fld>
             <a:endParaRPr lang="fr-FR" dirty="0"/>
           </a:p>
@@ -30251,7 +30345,7 @@
 </file>
 
 <file path=ppt/slides/slide13.xml><?xml version="1.0" encoding="utf-8"?>
-<p:sld xmlns:a="http://schemas.openxmlformats.org/drawingml/2006/main" xmlns:r="http://schemas.openxmlformats.org/officeDocument/2006/relationships" xmlns:p="http://schemas.openxmlformats.org/presentationml/2006/main">
+<p:sld xmlns:a="http://schemas.openxmlformats.org/drawingml/2006/main" xmlns:r="http://schemas.openxmlformats.org/officeDocument/2006/relationships" xmlns:p="http://schemas.openxmlformats.org/presentationml/2006/main" show="0">
   <p:cSld>
     <p:spTree>
       <p:nvGrpSpPr>
@@ -30320,7 +30414,7 @@
             <a:fld id="{688489DE-DC01-4F6E-9559-3CB0F0280979}" type="datetime1">
               <a:rPr lang="fr-FR" smtClean="0"/>
               <a:pPr/>
-              <a:t>30/03/2015</a:t>
+              <a:t>31/03/2015</a:t>
             </a:fld>
             <a:endParaRPr lang="fr-FR" dirty="0"/>
           </a:p>
@@ -30414,6 +30508,14 @@
   <p:clrMapOvr>
     <a:masterClrMapping/>
   </p:clrMapOvr>
+  <mc:AlternateContent xmlns:mc="http://schemas.openxmlformats.org/markup-compatibility/2006">
+    <mc:Choice xmlns:p14="http://schemas.microsoft.com/office/powerpoint/2010/main" Requires="p14">
+      <p:transition spd="slow" p14:dur="2000"/>
+    </mc:Choice>
+    <mc:Fallback>
+      <p:transition spd="slow"/>
+    </mc:Fallback>
+  </mc:AlternateContent>
   <p:timing>
     <p:tnLst>
       <p:par>
@@ -30425,7 +30527,7 @@
 </file>
 
 <file path=ppt/slides/slide14.xml><?xml version="1.0" encoding="utf-8"?>
-<p:sld xmlns:a="http://schemas.openxmlformats.org/drawingml/2006/main" xmlns:r="http://schemas.openxmlformats.org/officeDocument/2006/relationships" xmlns:p="http://schemas.openxmlformats.org/presentationml/2006/main">
+<p:sld xmlns:a="http://schemas.openxmlformats.org/drawingml/2006/main" xmlns:r="http://schemas.openxmlformats.org/officeDocument/2006/relationships" xmlns:p="http://schemas.openxmlformats.org/presentationml/2006/main" show="0">
   <p:cSld>
     <p:spTree>
       <p:nvGrpSpPr>
@@ -30494,7 +30596,7 @@
             <a:fld id="{688489DE-DC01-4F6E-9559-3CB0F0280979}" type="datetime1">
               <a:rPr lang="fr-FR" smtClean="0"/>
               <a:pPr/>
-              <a:t>30/03/2015</a:t>
+              <a:t>31/03/2015</a:t>
             </a:fld>
             <a:endParaRPr lang="fr-FR" dirty="0"/>
           </a:p>
@@ -30615,6 +30717,14 @@
   <p:clrMapOvr>
     <a:masterClrMapping/>
   </p:clrMapOvr>
+  <mc:AlternateContent xmlns:mc="http://schemas.openxmlformats.org/markup-compatibility/2006">
+    <mc:Choice xmlns:p14="http://schemas.microsoft.com/office/powerpoint/2010/main" Requires="p14">
+      <p:transition spd="slow" p14:dur="2000"/>
+    </mc:Choice>
+    <mc:Fallback>
+      <p:transition spd="slow"/>
+    </mc:Fallback>
+  </mc:AlternateContent>
   <p:timing>
     <p:tnLst>
       <p:par>
@@ -30626,7 +30736,7 @@
 </file>
 
 <file path=ppt/slides/slide15.xml><?xml version="1.0" encoding="utf-8"?>
-<p:sld xmlns:a="http://schemas.openxmlformats.org/drawingml/2006/main" xmlns:r="http://schemas.openxmlformats.org/officeDocument/2006/relationships" xmlns:p="http://schemas.openxmlformats.org/presentationml/2006/main">
+<p:sld xmlns:a="http://schemas.openxmlformats.org/drawingml/2006/main" xmlns:r="http://schemas.openxmlformats.org/officeDocument/2006/relationships" xmlns:p="http://schemas.openxmlformats.org/presentationml/2006/main" show="0">
   <p:cSld>
     <p:spTree>
       <p:nvGrpSpPr>
@@ -30695,7 +30805,7 @@
             <a:fld id="{688489DE-DC01-4F6E-9559-3CB0F0280979}" type="datetime1">
               <a:rPr lang="fr-FR" smtClean="0"/>
               <a:pPr/>
-              <a:t>30/03/2015</a:t>
+              <a:t>31/03/2015</a:t>
             </a:fld>
             <a:endParaRPr lang="fr-FR" dirty="0"/>
           </a:p>
@@ -30819,6 +30929,14 @@
   <p:clrMapOvr>
     <a:masterClrMapping/>
   </p:clrMapOvr>
+  <mc:AlternateContent xmlns:mc="http://schemas.openxmlformats.org/markup-compatibility/2006">
+    <mc:Choice xmlns:p14="http://schemas.microsoft.com/office/powerpoint/2010/main" Requires="p14">
+      <p:transition spd="slow" p14:dur="2000"/>
+    </mc:Choice>
+    <mc:Fallback>
+      <p:transition spd="slow"/>
+    </mc:Fallback>
+  </mc:AlternateContent>
   <p:timing>
     <p:tnLst>
       <p:par>
@@ -30889,7 +31007,7 @@
             <a:fld id="{2930045B-F838-499A-A866-54B50D6976AC}" type="datetime1">
               <a:rPr lang="fr-FR" smtClean="0"/>
               <a:pPr/>
-              <a:t>30/03/2015</a:t>
+              <a:t>31/03/2015</a:t>
             </a:fld>
             <a:endParaRPr lang="fr-FR"/>
           </a:p>
@@ -31328,7 +31446,7 @@
             <a:fld id="{2930045B-F838-499A-A866-54B50D6976AC}" type="datetime1">
               <a:rPr lang="fr-FR" smtClean="0"/>
               <a:pPr/>
-              <a:t>30/03/2015</a:t>
+              <a:t>31/03/2015</a:t>
             </a:fld>
             <a:endParaRPr lang="fr-FR"/>
           </a:p>
@@ -31426,7 +31544,7 @@
         </p:spPr>
         <p:txBody>
           <a:bodyPr vert="horz">
-            <a:normAutofit fontScale="92500" lnSpcReduction="20000"/>
+            <a:normAutofit/>
           </a:bodyPr>
           <a:lstStyle>
             <a:lvl1pPr marL="548640" indent="-411480" algn="l" rtl="0" eaLnBrk="1" latinLnBrk="0" hangingPunct="1">
@@ -31602,10 +31720,13 @@
             <a:pPr>
               <a:buNone/>
             </a:pPr>
-            <a:r>
-              <a:rPr lang="fr-FR" dirty="0" smtClean="0"/>
-              <a:t>WIFI</a:t>
-            </a:r>
+            <a:endParaRPr lang="fr-FR" dirty="0" smtClean="0"/>
+          </a:p>
+          <a:p>
+            <a:pPr>
+              <a:buNone/>
+            </a:pPr>
+            <a:endParaRPr lang="fr-FR" dirty="0"/>
           </a:p>
           <a:p>
             <a:pPr>
@@ -31613,8 +31734,15 @@
             </a:pPr>
             <a:r>
               <a:rPr lang="fr-FR" dirty="0" smtClean="0"/>
-              <a:t>	B</a:t>
+              <a:t>WIFI</a:t>
             </a:r>
+            <a:endParaRPr lang="fr-FR" dirty="0" smtClean="0"/>
+          </a:p>
+          <a:p>
+            <a:pPr>
+              <a:buNone/>
+            </a:pPr>
+            <a:endParaRPr lang="fr-FR" dirty="0" smtClean="0"/>
           </a:p>
           <a:p>
             <a:pPr>
@@ -31622,8 +31750,22 @@
             </a:pPr>
             <a:r>
               <a:rPr lang="fr-FR" dirty="0" smtClean="0"/>
-              <a:t>	G</a:t>
+              <a:t>Câble</a:t>
             </a:r>
+            <a:r>
+              <a:rPr lang="fr-FR" dirty="0"/>
+              <a:t> </a:t>
+            </a:r>
+            <a:r>
+              <a:rPr lang="fr-FR" dirty="0" smtClean="0"/>
+              <a:t>réseau</a:t>
+            </a:r>
+          </a:p>
+          <a:p>
+            <a:pPr>
+              <a:buNone/>
+            </a:pPr>
+            <a:endParaRPr lang="fr-FR" dirty="0" smtClean="0"/>
           </a:p>
           <a:p>
             <a:pPr>
@@ -31631,78 +31773,8 @@
             </a:pPr>
             <a:r>
               <a:rPr lang="fr-FR" dirty="0" smtClean="0"/>
-              <a:t>	N</a:t>
+              <a:t>BUS propriétaire</a:t>
             </a:r>
-          </a:p>
-          <a:p>
-            <a:pPr>
-              <a:buNone/>
-            </a:pPr>
-            <a:endParaRPr lang="fr-FR" dirty="0" smtClean="0"/>
-          </a:p>
-          <a:p>
-            <a:pPr>
-              <a:buNone/>
-            </a:pPr>
-            <a:r>
-              <a:rPr lang="fr-FR" dirty="0" err="1" smtClean="0"/>
-              <a:t>Cable</a:t>
-            </a:r>
-            <a:endParaRPr lang="fr-FR" dirty="0" smtClean="0"/>
-          </a:p>
-          <a:p>
-            <a:pPr lvl="1">
-              <a:buNone/>
-            </a:pPr>
-            <a:r>
-              <a:rPr lang="fr-FR" dirty="0" smtClean="0"/>
-              <a:t>RJ45</a:t>
-            </a:r>
-          </a:p>
-          <a:p>
-            <a:pPr lvl="1">
-              <a:buNone/>
-            </a:pPr>
-            <a:r>
-              <a:rPr lang="fr-FR" dirty="0" smtClean="0"/>
-              <a:t>RJ11</a:t>
-            </a:r>
-          </a:p>
-          <a:p>
-            <a:pPr lvl="1">
-              <a:buNone/>
-            </a:pPr>
-            <a:r>
-              <a:rPr lang="fr-FR" dirty="0" smtClean="0"/>
-              <a:t>Coaxial </a:t>
-            </a:r>
-          </a:p>
-          <a:p>
-            <a:pPr lvl="1">
-              <a:buNone/>
-            </a:pPr>
-            <a:endParaRPr lang="fr-FR" dirty="0" smtClean="0"/>
-          </a:p>
-          <a:p>
-            <a:pPr>
-              <a:buNone/>
-            </a:pPr>
-            <a:r>
-              <a:rPr lang="fr-FR" dirty="0" smtClean="0"/>
-              <a:t>BUS</a:t>
-            </a:r>
-          </a:p>
-          <a:p>
-            <a:pPr>
-              <a:buNone/>
-            </a:pPr>
-            <a:r>
-              <a:rPr lang="fr-FR" dirty="0" smtClean="0"/>
-              <a:t>	RF433</a:t>
-            </a:r>
-          </a:p>
-          <a:p>
-            <a:pPr lvl="1"/>
             <a:endParaRPr lang="fr-FR" dirty="0" smtClean="0"/>
           </a:p>
           <a:p>
@@ -31797,7 +31869,7 @@
             <a:fld id="{5068D6C2-C554-4D48-BC24-0E664F4BF82E}" type="datetime1">
               <a:rPr lang="fr-FR" smtClean="0"/>
               <a:pPr/>
-              <a:t>30/03/2015</a:t>
+              <a:t>31/03/2015</a:t>
             </a:fld>
             <a:endParaRPr lang="fr-FR" dirty="0"/>
           </a:p>
@@ -31930,7 +32002,7 @@
             <a:fld id="{D844B812-10CA-4F1B-8C86-BE36A3E26B51}" type="datetime1">
               <a:rPr lang="fr-FR" smtClean="0"/>
               <a:pPr/>
-              <a:t>30/03/2015</a:t>
+              <a:t>31/03/2015</a:t>
             </a:fld>
             <a:endParaRPr lang="fr-FR" dirty="0"/>
           </a:p>
@@ -32148,7 +32220,7 @@
             <a:fld id="{688489DE-DC01-4F6E-9559-3CB0F0280979}" type="datetime1">
               <a:rPr lang="fr-FR" smtClean="0"/>
               <a:pPr/>
-              <a:t>30/03/2015</a:t>
+              <a:t>31/03/2015</a:t>
             </a:fld>
             <a:endParaRPr lang="fr-FR" dirty="0"/>
           </a:p>
@@ -32283,7 +32355,7 @@
             <a:fld id="{688489DE-DC01-4F6E-9559-3CB0F0280979}" type="datetime1">
               <a:rPr lang="fr-FR" smtClean="0"/>
               <a:pPr/>
-              <a:t>30/03/2015</a:t>
+              <a:t>31/03/2015</a:t>
             </a:fld>
             <a:endParaRPr lang="fr-FR" dirty="0"/>
           </a:p>
@@ -32417,7 +32489,7 @@
             <a:fld id="{6F3D85C9-A9CF-4F26-B03B-F359C1FE3C18}" type="datetime1">
               <a:rPr lang="fr-FR" smtClean="0"/>
               <a:pPr/>
-              <a:t>30/03/2015</a:t>
+              <a:t>31/03/2015</a:t>
             </a:fld>
             <a:endParaRPr lang="fr-FR" dirty="0"/>
           </a:p>
@@ -32552,7 +32624,7 @@
             <a:fld id="{2930045B-F838-499A-A866-54B50D6976AC}" type="datetime1">
               <a:rPr lang="fr-FR" smtClean="0"/>
               <a:pPr/>
-              <a:t>30/03/2015</a:t>
+              <a:t>31/03/2015</a:t>
             </a:fld>
             <a:endParaRPr lang="fr-FR"/>
           </a:p>
@@ -32812,7 +32884,7 @@
             <a:fld id="{2930045B-F838-499A-A866-54B50D6976AC}" type="datetime1">
               <a:rPr lang="fr-FR" smtClean="0"/>
               <a:pPr/>
-              <a:t>30/03/2015</a:t>
+              <a:t>31/03/2015</a:t>
             </a:fld>
             <a:endParaRPr lang="fr-FR"/>
           </a:p>
@@ -33104,7 +33176,7 @@
             <a:fld id="{2930045B-F838-499A-A866-54B50D6976AC}" type="datetime1">
               <a:rPr lang="fr-FR" smtClean="0"/>
               <a:pPr/>
-              <a:t>30/03/2015</a:t>
+              <a:t>31/03/2015</a:t>
             </a:fld>
             <a:endParaRPr lang="fr-FR"/>
           </a:p>
@@ -33525,7 +33597,7 @@
             <a:fld id="{2930045B-F838-499A-A866-54B50D6976AC}" type="datetime1">
               <a:rPr lang="fr-FR" smtClean="0"/>
               <a:pPr/>
-              <a:t>30/03/2015</a:t>
+              <a:t>31/03/2015</a:t>
             </a:fld>
             <a:endParaRPr lang="fr-FR"/>
           </a:p>
@@ -33807,9 +33879,8 @@
             </a:pPr>
             <a:r>
               <a:rPr lang="fr-FR" dirty="0" smtClean="0"/>
-              <a:t>Coût</a:t>
+              <a:t>Contraintes et topologie du bâtiment</a:t>
             </a:r>
-            <a:endParaRPr lang="fr-FR" dirty="0" smtClean="0"/>
           </a:p>
           <a:p>
             <a:pPr>
@@ -33823,7 +33894,23 @@
             </a:pPr>
             <a:r>
               <a:rPr lang="fr-FR" dirty="0" smtClean="0"/>
-              <a:t>Contraintes topologie du bâtiment</a:t>
+              <a:t>Coût d’achat</a:t>
+            </a:r>
+            <a:endParaRPr lang="fr-FR" dirty="0" smtClean="0"/>
+          </a:p>
+          <a:p>
+            <a:pPr>
+              <a:buNone/>
+            </a:pPr>
+            <a:endParaRPr lang="fr-FR" dirty="0"/>
+          </a:p>
+          <a:p>
+            <a:pPr>
+              <a:buNone/>
+            </a:pPr>
+            <a:r>
+              <a:rPr lang="fr-FR" dirty="0" smtClean="0"/>
+              <a:t>Complexité de l’installation</a:t>
             </a:r>
           </a:p>
           <a:p>
@@ -33840,26 +33927,6 @@
               <a:rPr lang="fr-FR" dirty="0" smtClean="0"/>
               <a:t>Maintenance</a:t>
             </a:r>
-          </a:p>
-          <a:p>
-            <a:pPr lvl="1">
-              <a:buNone/>
-            </a:pPr>
-            <a:endParaRPr lang="fr-FR" dirty="0" smtClean="0"/>
-          </a:p>
-          <a:p>
-            <a:pPr>
-              <a:buNone/>
-            </a:pPr>
-            <a:r>
-              <a:rPr lang="fr-FR" dirty="0" smtClean="0"/>
-              <a:t>Complexité de l’installation</a:t>
-            </a:r>
-          </a:p>
-          <a:p>
-            <a:pPr>
-              <a:buNone/>
-            </a:pPr>
             <a:endParaRPr lang="fr-FR" dirty="0" smtClean="0"/>
           </a:p>
           <a:p>
@@ -33947,7 +34014,7 @@
             <a:fld id="{2930045B-F838-499A-A866-54B50D6976AC}" type="datetime1">
               <a:rPr lang="fr-FR" smtClean="0"/>
               <a:pPr/>
-              <a:t>30/03/2015</a:t>
+              <a:t>31/03/2015</a:t>
             </a:fld>
             <a:endParaRPr lang="fr-FR"/>
           </a:p>
@@ -34387,7 +34454,7 @@
             <a:fld id="{186244FB-DD29-4B75-8C37-8249E171F4F2}" type="datetime1">
               <a:rPr lang="fr-FR" smtClean="0"/>
               <a:pPr/>
-              <a:t>30/03/2015</a:t>
+              <a:t>31/03/2015</a:t>
             </a:fld>
             <a:endParaRPr lang="fr-FR" dirty="0"/>
           </a:p>
